--- a/ProvaAlex.pptx
+++ b/ProvaAlex.pptx
@@ -104,6 +104,11 @@
       </a:defRPr>
     </a:lvl9pPr>
   </p:defaultTextStyle>
+  <p:extLst>
+    <p:ext uri="{EFAFB233-063F-42B5-8137-9DF3F51BA10A}">
+      <p15:sldGuideLst xmlns:p15="http://schemas.microsoft.com/office/powerpoint/2012/main"/>
+    </p:ext>
+  </p:extLst>
 </p:presentation>
 </file>
 
@@ -3483,7 +3488,7 @@
         </p:blipFill>
         <p:spPr>
           <a:xfrm>
-            <a:off x="641180" y="1916332"/>
+            <a:off x="650069" y="723636"/>
             <a:ext cx="5129784" cy="3039396"/>
           </a:xfrm>
           <a:prstGeom prst="rect">
@@ -3578,7 +3583,7 @@
         </p:blipFill>
         <p:spPr>
           <a:xfrm>
-            <a:off x="6421034" y="2011897"/>
+            <a:off x="6349630" y="669503"/>
             <a:ext cx="5129784" cy="2834205"/>
           </a:xfrm>
           <a:prstGeom prst="rect">
@@ -3595,13 +3600,15 @@
               </a:ext>
             </a:extLst>
           </p:cNvPr>
-          <p:cNvCxnSpPr/>
+          <p:cNvCxnSpPr>
+            <a:cxnSpLocks/>
+          </p:cNvCxnSpPr>
           <p:nvPr/>
         </p:nvCxnSpPr>
         <p:spPr>
           <a:xfrm>
-            <a:off x="9303026" y="5605670"/>
-            <a:ext cx="2247792" cy="0"/>
+            <a:off x="6626973" y="6251177"/>
+            <a:ext cx="2287549" cy="0"/>
           </a:xfrm>
           <a:prstGeom prst="line">
             <a:avLst/>
@@ -3641,8 +3648,8 @@
         </p:nvSpPr>
         <p:spPr>
           <a:xfrm>
-            <a:off x="9303027" y="5300594"/>
-            <a:ext cx="2247792" cy="369332"/>
+            <a:off x="6614841" y="5944783"/>
+            <a:ext cx="2287549" cy="369332"/>
           </a:xfrm>
           <a:prstGeom prst="rect">
             <a:avLst/>
@@ -3672,13 +3679,15 @@
               </a:ext>
             </a:extLst>
           </p:cNvPr>
-          <p:cNvCxnSpPr/>
+          <p:cNvCxnSpPr>
+            <a:cxnSpLocks/>
+          </p:cNvCxnSpPr>
           <p:nvPr/>
         </p:nvCxnSpPr>
         <p:spPr>
           <a:xfrm>
-            <a:off x="9303026" y="6076123"/>
-            <a:ext cx="2247792" cy="0"/>
+            <a:off x="9268510" y="6249062"/>
+            <a:ext cx="2287549" cy="0"/>
           </a:xfrm>
           <a:prstGeom prst="line">
             <a:avLst/>
@@ -3718,8 +3727,8 @@
         </p:nvSpPr>
         <p:spPr>
           <a:xfrm>
-            <a:off x="9220941" y="5780654"/>
-            <a:ext cx="2411962" cy="369332"/>
+            <a:off x="9126766" y="5976971"/>
+            <a:ext cx="2571036" cy="369332"/>
           </a:xfrm>
           <a:prstGeom prst="rect">
             <a:avLst/>
@@ -3754,7 +3763,7 @@
         </p:nvSpPr>
         <p:spPr>
           <a:xfrm>
-            <a:off x="6421034" y="1947644"/>
+            <a:off x="6323125" y="669503"/>
             <a:ext cx="5129784" cy="2898458"/>
           </a:xfrm>
           <a:prstGeom prst="rect">
@@ -3794,6 +3803,66 @@
           </a:p>
         </p:txBody>
       </p:sp>
+      <p:pic>
+        <p:nvPicPr>
+          <p:cNvPr id="2" name="Imagem 1">
+            <a:extLst>
+              <a:ext uri="{FF2B5EF4-FFF2-40B4-BE49-F238E27FC236}">
+                <a16:creationId xmlns:a16="http://schemas.microsoft.com/office/drawing/2014/main" id="{8FEC5EDD-D442-4D5B-8FB3-745A1F937771}"/>
+              </a:ext>
+            </a:extLst>
+          </p:cNvPr>
+          <p:cNvPicPr>
+            <a:picLocks noChangeAspect="1"/>
+          </p:cNvPicPr>
+          <p:nvPr/>
+        </p:nvPicPr>
+        <p:blipFill>
+          <a:blip r:embed="rId4"/>
+          <a:stretch>
+            <a:fillRect/>
+          </a:stretch>
+        </p:blipFill>
+        <p:spPr>
+          <a:xfrm>
+            <a:off x="6426275" y="3809642"/>
+            <a:ext cx="5129784" cy="2111965"/>
+          </a:xfrm>
+          <a:prstGeom prst="rect">
+            <a:avLst/>
+          </a:prstGeom>
+        </p:spPr>
+      </p:pic>
+      <p:pic>
+        <p:nvPicPr>
+          <p:cNvPr id="8" name="Imagem 7">
+            <a:extLst>
+              <a:ext uri="{FF2B5EF4-FFF2-40B4-BE49-F238E27FC236}">
+                <a16:creationId xmlns:a16="http://schemas.microsoft.com/office/drawing/2014/main" id="{B53FD3F6-ECB4-43A9-8329-0BA5646D7882}"/>
+              </a:ext>
+            </a:extLst>
+          </p:cNvPr>
+          <p:cNvPicPr>
+            <a:picLocks noChangeAspect="1"/>
+          </p:cNvPicPr>
+          <p:nvPr/>
+        </p:nvPicPr>
+        <p:blipFill>
+          <a:blip r:embed="rId5"/>
+          <a:stretch>
+            <a:fillRect/>
+          </a:stretch>
+        </p:blipFill>
+        <p:spPr>
+          <a:xfrm>
+            <a:off x="650069" y="3913902"/>
+            <a:ext cx="5129784" cy="1908311"/>
+          </a:xfrm>
+          <a:prstGeom prst="rect">
+            <a:avLst/>
+          </a:prstGeom>
+        </p:spPr>
+      </p:pic>
     </p:spTree>
     <p:extLst>
       <p:ext uri="{BB962C8B-B14F-4D97-AF65-F5344CB8AC3E}">
